--- a/기획/레이드 보스 기획/SSU 지구 초기 기획.pptx
+++ b/기획/레이드 보스 기획/SSU 지구 초기 기획.pptx
@@ -274,7 +274,7 @@
           <a:p>
             <a:fld id="{1734C02F-AF6A-4682-87F9-BE2F6C485F5F}" type="datetimeFigureOut">
               <a:rPr lang="ko-KR" altLang="en-US" smtClean="0"/>
-              <a:t>2021-09-07</a:t>
+              <a:t>2021-12-26</a:t>
             </a:fld>
             <a:endParaRPr lang="ko-KR" altLang="en-US"/>
           </a:p>
@@ -472,7 +472,7 @@
           <a:p>
             <a:fld id="{1734C02F-AF6A-4682-87F9-BE2F6C485F5F}" type="datetimeFigureOut">
               <a:rPr lang="ko-KR" altLang="en-US" smtClean="0"/>
-              <a:t>2021-09-07</a:t>
+              <a:t>2021-12-26</a:t>
             </a:fld>
             <a:endParaRPr lang="ko-KR" altLang="en-US"/>
           </a:p>
@@ -680,7 +680,7 @@
           <a:p>
             <a:fld id="{1734C02F-AF6A-4682-87F9-BE2F6C485F5F}" type="datetimeFigureOut">
               <a:rPr lang="ko-KR" altLang="en-US" smtClean="0"/>
-              <a:t>2021-09-07</a:t>
+              <a:t>2021-12-26</a:t>
             </a:fld>
             <a:endParaRPr lang="ko-KR" altLang="en-US"/>
           </a:p>
@@ -878,7 +878,7 @@
           <a:p>
             <a:fld id="{1734C02F-AF6A-4682-87F9-BE2F6C485F5F}" type="datetimeFigureOut">
               <a:rPr lang="ko-KR" altLang="en-US" smtClean="0"/>
-              <a:t>2021-09-07</a:t>
+              <a:t>2021-12-26</a:t>
             </a:fld>
             <a:endParaRPr lang="ko-KR" altLang="en-US"/>
           </a:p>
@@ -1153,7 +1153,7 @@
           <a:p>
             <a:fld id="{1734C02F-AF6A-4682-87F9-BE2F6C485F5F}" type="datetimeFigureOut">
               <a:rPr lang="ko-KR" altLang="en-US" smtClean="0"/>
-              <a:t>2021-09-07</a:t>
+              <a:t>2021-12-26</a:t>
             </a:fld>
             <a:endParaRPr lang="ko-KR" altLang="en-US"/>
           </a:p>
@@ -1418,7 +1418,7 @@
           <a:p>
             <a:fld id="{1734C02F-AF6A-4682-87F9-BE2F6C485F5F}" type="datetimeFigureOut">
               <a:rPr lang="ko-KR" altLang="en-US" smtClean="0"/>
-              <a:t>2021-09-07</a:t>
+              <a:t>2021-12-26</a:t>
             </a:fld>
             <a:endParaRPr lang="ko-KR" altLang="en-US"/>
           </a:p>
@@ -1830,7 +1830,7 @@
           <a:p>
             <a:fld id="{1734C02F-AF6A-4682-87F9-BE2F6C485F5F}" type="datetimeFigureOut">
               <a:rPr lang="ko-KR" altLang="en-US" smtClean="0"/>
-              <a:t>2021-09-07</a:t>
+              <a:t>2021-12-26</a:t>
             </a:fld>
             <a:endParaRPr lang="ko-KR" altLang="en-US"/>
           </a:p>
@@ -1971,7 +1971,7 @@
           <a:p>
             <a:fld id="{1734C02F-AF6A-4682-87F9-BE2F6C485F5F}" type="datetimeFigureOut">
               <a:rPr lang="ko-KR" altLang="en-US" smtClean="0"/>
-              <a:t>2021-09-07</a:t>
+              <a:t>2021-12-26</a:t>
             </a:fld>
             <a:endParaRPr lang="ko-KR" altLang="en-US"/>
           </a:p>
@@ -2084,7 +2084,7 @@
           <a:p>
             <a:fld id="{1734C02F-AF6A-4682-87F9-BE2F6C485F5F}" type="datetimeFigureOut">
               <a:rPr lang="ko-KR" altLang="en-US" smtClean="0"/>
-              <a:t>2021-09-07</a:t>
+              <a:t>2021-12-26</a:t>
             </a:fld>
             <a:endParaRPr lang="ko-KR" altLang="en-US"/>
           </a:p>
@@ -2395,7 +2395,7 @@
           <a:p>
             <a:fld id="{1734C02F-AF6A-4682-87F9-BE2F6C485F5F}" type="datetimeFigureOut">
               <a:rPr lang="ko-KR" altLang="en-US" smtClean="0"/>
-              <a:t>2021-09-07</a:t>
+              <a:t>2021-12-26</a:t>
             </a:fld>
             <a:endParaRPr lang="ko-KR" altLang="en-US"/>
           </a:p>
@@ -2683,7 +2683,7 @@
           <a:p>
             <a:fld id="{1734C02F-AF6A-4682-87F9-BE2F6C485F5F}" type="datetimeFigureOut">
               <a:rPr lang="ko-KR" altLang="en-US" smtClean="0"/>
-              <a:t>2021-09-07</a:t>
+              <a:t>2021-12-26</a:t>
             </a:fld>
             <a:endParaRPr lang="ko-KR" altLang="en-US"/>
           </a:p>
@@ -2924,7 +2924,7 @@
           <a:p>
             <a:fld id="{1734C02F-AF6A-4682-87F9-BE2F6C485F5F}" type="datetimeFigureOut">
               <a:rPr lang="ko-KR" altLang="en-US" smtClean="0"/>
-              <a:t>2021-09-07</a:t>
+              <a:t>2021-12-26</a:t>
             </a:fld>
             <a:endParaRPr lang="ko-KR" altLang="en-US"/>
           </a:p>
@@ -12124,13 +12124,6 @@
           <a:p>
             <a:r>
               <a:rPr lang="ko-KR" altLang="en-US" dirty="0"/>
-              <a:t>게임의 시작점인 프롤로그에서의 최종 보스 역할을 한다</a:t>
-            </a:r>
-            <a:endParaRPr lang="en-US" altLang="ko-KR" dirty="0"/>
-          </a:p>
-          <a:p>
-            <a:r>
-              <a:rPr lang="ko-KR" altLang="en-US" dirty="0"/>
               <a:t>속성은 무속성으로 속성으로 플레이어의 속성에 영향을 주지 않는다</a:t>
             </a:r>
             <a:r>
@@ -12521,6 +12514,11 @@
           <a:prstGeom prst="rect">
             <a:avLst/>
           </a:prstGeom>
+          <a:solidFill>
+            <a:schemeClr val="accent4">
+              <a:lumMod val="50000"/>
+            </a:schemeClr>
+          </a:solidFill>
         </p:spPr>
         <p:style>
           <a:lnRef idx="2">
@@ -12657,7 +12655,7 @@
         <p:spPr>
           <a:xfrm>
             <a:off x="1531950" y="3244334"/>
-            <a:ext cx="415498" cy="369332"/>
+            <a:ext cx="646331" cy="369332"/>
           </a:xfrm>
           <a:prstGeom prst="rect">
             <a:avLst/>
@@ -12672,7 +12670,7 @@
           <a:p>
             <a:r>
               <a:rPr lang="ko-KR" altLang="en-US" dirty="0"/>
-              <a:t>물</a:t>
+              <a:t>산맥</a:t>
             </a:r>
           </a:p>
         </p:txBody>
@@ -12692,7 +12690,7 @@
         <p:spPr>
           <a:xfrm>
             <a:off x="3492926" y="5236128"/>
-            <a:ext cx="415498" cy="369332"/>
+            <a:ext cx="646331" cy="369332"/>
           </a:xfrm>
           <a:prstGeom prst="rect">
             <a:avLst/>
@@ -12707,7 +12705,7 @@
           <a:p>
             <a:r>
               <a:rPr lang="ko-KR" altLang="en-US" dirty="0"/>
-              <a:t>물</a:t>
+              <a:t>산맥</a:t>
             </a:r>
           </a:p>
         </p:txBody>
